--- a/presentation/lct-2025-07-Monitor/Laboratorny_zhurnal_07.pptx
+++ b/presentation/lct-2025-07-Monitor/Laboratorny_zhurnal_07.pptx
@@ -10,12 +10,13 @@
     <p:sldId id="265" r:id="rId4"/>
     <p:sldId id="266" r:id="rId5"/>
     <p:sldId id="269" r:id="rId6"/>
-    <p:sldId id="270" r:id="rId7"/>
-    <p:sldId id="272" r:id="rId8"/>
-    <p:sldId id="271" r:id="rId9"/>
-    <p:sldId id="264" r:id="rId10"/>
-    <p:sldId id="273" r:id="rId11"/>
-    <p:sldId id="268" r:id="rId12"/>
+    <p:sldId id="274" r:id="rId7"/>
+    <p:sldId id="270" r:id="rId8"/>
+    <p:sldId id="272" r:id="rId9"/>
+    <p:sldId id="271" r:id="rId10"/>
+    <p:sldId id="264" r:id="rId11"/>
+    <p:sldId id="273" r:id="rId12"/>
+    <p:sldId id="268" r:id="rId13"/>
   </p:sldIdLst>
   <p:sldSz cx="12192000" cy="6858000"/>
   <p:notesSz cx="6858000" cy="9144000"/>
@@ -269,7 +270,7 @@
           <a:p>
             <a:fld id="{22C5F0A1-459B-4B5D-AC84-5058025CAC91}" type="datetimeFigureOut">
               <a:rPr lang="ru-RU" smtClean="0"/>
-              <a:t>29.09.2025</a:t>
+              <a:t>ср 01.10.25</a:t>
             </a:fld>
             <a:endParaRPr lang="ru-RU"/>
           </a:p>
@@ -467,7 +468,7 @@
           <a:p>
             <a:fld id="{22C5F0A1-459B-4B5D-AC84-5058025CAC91}" type="datetimeFigureOut">
               <a:rPr lang="ru-RU" smtClean="0"/>
-              <a:t>29.09.2025</a:t>
+              <a:t>ср 01.10.25</a:t>
             </a:fld>
             <a:endParaRPr lang="ru-RU"/>
           </a:p>
@@ -675,7 +676,7 @@
           <a:p>
             <a:fld id="{22C5F0A1-459B-4B5D-AC84-5058025CAC91}" type="datetimeFigureOut">
               <a:rPr lang="ru-RU" smtClean="0"/>
-              <a:t>29.09.2025</a:t>
+              <a:t>ср 01.10.25</a:t>
             </a:fld>
             <a:endParaRPr lang="ru-RU"/>
           </a:p>
@@ -873,7 +874,7 @@
           <a:p>
             <a:fld id="{22C5F0A1-459B-4B5D-AC84-5058025CAC91}" type="datetimeFigureOut">
               <a:rPr lang="ru-RU" smtClean="0"/>
-              <a:t>29.09.2025</a:t>
+              <a:t>ср 01.10.25</a:t>
             </a:fld>
             <a:endParaRPr lang="ru-RU"/>
           </a:p>
@@ -1148,7 +1149,7 @@
           <a:p>
             <a:fld id="{22C5F0A1-459B-4B5D-AC84-5058025CAC91}" type="datetimeFigureOut">
               <a:rPr lang="ru-RU" smtClean="0"/>
-              <a:t>29.09.2025</a:t>
+              <a:t>ср 01.10.25</a:t>
             </a:fld>
             <a:endParaRPr lang="ru-RU"/>
           </a:p>
@@ -1413,7 +1414,7 @@
           <a:p>
             <a:fld id="{22C5F0A1-459B-4B5D-AC84-5058025CAC91}" type="datetimeFigureOut">
               <a:rPr lang="ru-RU" smtClean="0"/>
-              <a:t>29.09.2025</a:t>
+              <a:t>ср 01.10.25</a:t>
             </a:fld>
             <a:endParaRPr lang="ru-RU"/>
           </a:p>
@@ -1825,7 +1826,7 @@
           <a:p>
             <a:fld id="{22C5F0A1-459B-4B5D-AC84-5058025CAC91}" type="datetimeFigureOut">
               <a:rPr lang="ru-RU" smtClean="0"/>
-              <a:t>29.09.2025</a:t>
+              <a:t>ср 01.10.25</a:t>
             </a:fld>
             <a:endParaRPr lang="ru-RU"/>
           </a:p>
@@ -1966,7 +1967,7 @@
           <a:p>
             <a:fld id="{22C5F0A1-459B-4B5D-AC84-5058025CAC91}" type="datetimeFigureOut">
               <a:rPr lang="ru-RU" smtClean="0"/>
-              <a:t>29.09.2025</a:t>
+              <a:t>ср 01.10.25</a:t>
             </a:fld>
             <a:endParaRPr lang="ru-RU"/>
           </a:p>
@@ -2079,7 +2080,7 @@
           <a:p>
             <a:fld id="{22C5F0A1-459B-4B5D-AC84-5058025CAC91}" type="datetimeFigureOut">
               <a:rPr lang="ru-RU" smtClean="0"/>
-              <a:t>29.09.2025</a:t>
+              <a:t>ср 01.10.25</a:t>
             </a:fld>
             <a:endParaRPr lang="ru-RU"/>
           </a:p>
@@ -2390,7 +2391,7 @@
           <a:p>
             <a:fld id="{22C5F0A1-459B-4B5D-AC84-5058025CAC91}" type="datetimeFigureOut">
               <a:rPr lang="ru-RU" smtClean="0"/>
-              <a:t>29.09.2025</a:t>
+              <a:t>ср 01.10.25</a:t>
             </a:fld>
             <a:endParaRPr lang="ru-RU"/>
           </a:p>
@@ -2678,7 +2679,7 @@
           <a:p>
             <a:fld id="{22C5F0A1-459B-4B5D-AC84-5058025CAC91}" type="datetimeFigureOut">
               <a:rPr lang="ru-RU" smtClean="0"/>
-              <a:t>29.09.2025</a:t>
+              <a:t>ср 01.10.25</a:t>
             </a:fld>
             <a:endParaRPr lang="ru-RU"/>
           </a:p>
@@ -2943,7 +2944,7 @@
           <a:p>
             <a:fld id="{22C5F0A1-459B-4B5D-AC84-5058025CAC91}" type="datetimeFigureOut">
               <a:rPr lang="ru-RU" smtClean="0"/>
-              <a:t>29.09.2025</a:t>
+              <a:t>ср 01.10.25</a:t>
             </a:fld>
             <a:endParaRPr lang="ru-RU"/>
           </a:p>
@@ -4482,6 +4483,674 @@
         </p:nvSpPr>
         <p:spPr>
           <a:xfrm>
+            <a:off x="862814" y="1848255"/>
+            <a:ext cx="9234787" cy="5139869"/>
+          </a:xfrm>
+          <a:prstGeom prst="rect">
+            <a:avLst/>
+          </a:prstGeom>
+          <a:noFill/>
+        </p:spPr>
+        <p:txBody>
+          <a:bodyPr wrap="square" rtlCol="0">
+            <a:spAutoFit/>
+          </a:bodyPr>
+          <a:lstStyle/>
+          <a:p>
+            <a:pPr marL="742950" indent="-742950">
+              <a:buAutoNum type="arabicPeriod"/>
+            </a:pPr>
+            <a:r>
+              <a:rPr lang="ru-RU" sz="2000" dirty="0">
+                <a:solidFill>
+                  <a:srgbClr val="301053"/>
+                </a:solidFill>
+                <a:latin typeface="Bahnschrift Condensed" panose="020B0502040204020203" pitchFamily="34" charset="0"/>
+              </a:rPr>
+              <a:t>Увеличение числа используемых источников: соцсети, блоги, ТМ-каналы, официальные сайты местных органов самоуправления и т.д.;</a:t>
+            </a:r>
+          </a:p>
+          <a:p>
+            <a:pPr marL="742950" indent="-742950">
+              <a:buAutoNum type="arabicPeriod"/>
+            </a:pPr>
+            <a:r>
+              <a:rPr lang="ru-RU" sz="2000" dirty="0">
+                <a:solidFill>
+                  <a:srgbClr val="301053"/>
+                </a:solidFill>
+                <a:latin typeface="Bahnschrift Condensed" panose="020B0502040204020203" pitchFamily="34" charset="0"/>
+              </a:rPr>
+              <a:t>Использование новых моделей для </a:t>
+            </a:r>
+            <a:r>
+              <a:rPr lang="en-US" sz="2000" dirty="0" err="1">
+                <a:solidFill>
+                  <a:srgbClr val="301053"/>
+                </a:solidFill>
+                <a:latin typeface="Bahnschrift Condensed" panose="020B0502040204020203" pitchFamily="34" charset="0"/>
+              </a:rPr>
+              <a:t>GeoOSINT</a:t>
+            </a:r>
+            <a:r>
+              <a:rPr lang="en-US" sz="2000" dirty="0">
+                <a:solidFill>
+                  <a:srgbClr val="301053"/>
+                </a:solidFill>
+                <a:latin typeface="Bahnschrift Condensed" panose="020B0502040204020203" pitchFamily="34" charset="0"/>
+              </a:rPr>
+              <a:t> </a:t>
+            </a:r>
+            <a:r>
+              <a:rPr lang="ru-RU" sz="2000" dirty="0">
+                <a:solidFill>
+                  <a:srgbClr val="301053"/>
+                </a:solidFill>
+                <a:latin typeface="Bahnschrift Condensed" panose="020B0502040204020203" pitchFamily="34" charset="0"/>
+              </a:rPr>
+              <a:t>с нашим </a:t>
+            </a:r>
+            <a:r>
+              <a:rPr lang="ru-RU" sz="2000" dirty="0" err="1">
+                <a:solidFill>
+                  <a:srgbClr val="301053"/>
+                </a:solidFill>
+                <a:latin typeface="Bahnschrift Condensed" panose="020B0502040204020203" pitchFamily="34" charset="0"/>
+              </a:rPr>
+              <a:t>ансамблированием</a:t>
+            </a:r>
+            <a:r>
+              <a:rPr lang="en-US" sz="2000" dirty="0">
+                <a:solidFill>
+                  <a:srgbClr val="301053"/>
+                </a:solidFill>
+                <a:latin typeface="Bahnschrift Condensed" panose="020B0502040204020203" pitchFamily="34" charset="0"/>
+              </a:rPr>
+              <a:t>;</a:t>
+            </a:r>
+            <a:r>
+              <a:rPr lang="ru-RU" sz="2000" dirty="0">
+                <a:solidFill>
+                  <a:srgbClr val="301053"/>
+                </a:solidFill>
+                <a:latin typeface="Bahnschrift Condensed" panose="020B0502040204020203" pitchFamily="34" charset="0"/>
+              </a:rPr>
+              <a:t> </a:t>
+            </a:r>
+          </a:p>
+          <a:p>
+            <a:pPr marL="742950" indent="-742950">
+              <a:buAutoNum type="arabicPeriod"/>
+            </a:pPr>
+            <a:r>
+              <a:rPr lang="ru-RU" sz="2000" dirty="0">
+                <a:ln w="0"/>
+                <a:solidFill>
+                  <a:srgbClr val="301053"/>
+                </a:solidFill>
+                <a:effectLst>
+                  <a:outerShdw blurRad="38100" dist="25400" dir="5400000" algn="ctr" rotWithShape="0">
+                    <a:srgbClr val="6E747A">
+                      <a:alpha val="43000"/>
+                    </a:srgbClr>
+                  </a:outerShdw>
+                </a:effectLst>
+                <a:latin typeface="Bahnschrift Condensed" panose="020B0502040204020203" pitchFamily="34" charset="0"/>
+              </a:rPr>
+              <a:t>Новые детектируемые ситуации: </a:t>
+            </a:r>
+          </a:p>
+          <a:p>
+            <a:r>
+              <a:rPr lang="ru-RU" sz="2000" dirty="0">
+                <a:ln w="0"/>
+                <a:solidFill>
+                  <a:srgbClr val="301053"/>
+                </a:solidFill>
+                <a:effectLst>
+                  <a:outerShdw blurRad="38100" dist="25400" dir="5400000" algn="ctr" rotWithShape="0">
+                    <a:srgbClr val="6E747A">
+                      <a:alpha val="43000"/>
+                    </a:srgbClr>
+                  </a:outerShdw>
+                </a:effectLst>
+                <a:latin typeface="Bahnschrift Condensed" panose="020B0502040204020203" pitchFamily="34" charset="0"/>
+              </a:rPr>
+              <a:t>     3.1 определение мест обитания животных и растений, занесенных в Красную книгу (частично реализовано); </a:t>
+            </a:r>
+          </a:p>
+          <a:p>
+            <a:r>
+              <a:rPr lang="ru-RU" sz="2000" dirty="0">
+                <a:ln w="0"/>
+                <a:solidFill>
+                  <a:srgbClr val="301053"/>
+                </a:solidFill>
+                <a:effectLst>
+                  <a:outerShdw blurRad="38100" dist="25400" dir="5400000" algn="ctr" rotWithShape="0">
+                    <a:srgbClr val="6E747A">
+                      <a:alpha val="43000"/>
+                    </a:srgbClr>
+                  </a:outerShdw>
+                </a:effectLst>
+                <a:latin typeface="Bahnschrift Condensed" panose="020B0502040204020203" pitchFamily="34" charset="0"/>
+              </a:rPr>
+              <a:t>     3.2 отслеживание распространения инвазивных видов (борщевик, клещевина, амурский бычок) (частично реализовано); </a:t>
+            </a:r>
+          </a:p>
+          <a:p>
+            <a:r>
+              <a:rPr lang="ru-RU" sz="2000" dirty="0">
+                <a:ln w="0"/>
+                <a:solidFill>
+                  <a:srgbClr val="301053"/>
+                </a:solidFill>
+                <a:effectLst>
+                  <a:outerShdw blurRad="38100" dist="25400" dir="5400000" algn="ctr" rotWithShape="0">
+                    <a:srgbClr val="6E747A">
+                      <a:alpha val="43000"/>
+                    </a:srgbClr>
+                  </a:outerShdw>
+                </a:effectLst>
+                <a:latin typeface="Bahnschrift Condensed" panose="020B0502040204020203" pitchFamily="34" charset="0"/>
+              </a:rPr>
+              <a:t>     3.3 несанкционированные скопления мусора; </a:t>
+            </a:r>
+          </a:p>
+          <a:p>
+            <a:r>
+              <a:rPr lang="ru-RU" sz="2000" dirty="0">
+                <a:ln w="0"/>
+                <a:solidFill>
+                  <a:srgbClr val="301053"/>
+                </a:solidFill>
+                <a:effectLst>
+                  <a:outerShdw blurRad="38100" dist="25400" dir="5400000" algn="ctr" rotWithShape="0">
+                    <a:srgbClr val="6E747A">
+                      <a:alpha val="43000"/>
+                    </a:srgbClr>
+                  </a:outerShdw>
+                </a:effectLst>
+                <a:latin typeface="Bahnschrift Condensed" panose="020B0502040204020203" pitchFamily="34" charset="0"/>
+              </a:rPr>
+              <a:t>     3.4 ямы на дорогах;</a:t>
+            </a:r>
+          </a:p>
+          <a:p>
+            <a:r>
+              <a:rPr lang="ru-RU" sz="2000" dirty="0">
+                <a:ln w="0"/>
+                <a:solidFill>
+                  <a:srgbClr val="301053"/>
+                </a:solidFill>
+                <a:effectLst>
+                  <a:outerShdw blurRad="38100" dist="25400" dir="5400000" algn="ctr" rotWithShape="0">
+                    <a:srgbClr val="6E747A">
+                      <a:alpha val="43000"/>
+                    </a:srgbClr>
+                  </a:outerShdw>
+                </a:effectLst>
+                <a:latin typeface="Bahnschrift Condensed" panose="020B0502040204020203" pitchFamily="34" charset="0"/>
+              </a:rPr>
+              <a:t>     3.5 санитарные деревья и кустарники (реализовано);</a:t>
+            </a:r>
+          </a:p>
+          <a:p>
+            <a:r>
+              <a:rPr lang="ru-RU" sz="2000" dirty="0">
+                <a:ln w="0"/>
+                <a:solidFill>
+                  <a:srgbClr val="301053"/>
+                </a:solidFill>
+                <a:effectLst>
+                  <a:outerShdw blurRad="38100" dist="25400" dir="5400000" algn="ctr" rotWithShape="0">
+                    <a:srgbClr val="6E747A">
+                      <a:alpha val="43000"/>
+                    </a:srgbClr>
+                  </a:outerShdw>
+                </a:effectLst>
+                <a:latin typeface="Bahnschrift Condensed" panose="020B0502040204020203" pitchFamily="34" charset="0"/>
+              </a:rPr>
+              <a:t>     3.6 оценка состояния растения: размеры, </a:t>
+            </a:r>
+            <a:r>
+              <a:rPr lang="ru-RU" sz="2000" dirty="0" err="1">
+                <a:ln w="0"/>
+                <a:solidFill>
+                  <a:srgbClr val="301053"/>
+                </a:solidFill>
+                <a:effectLst>
+                  <a:outerShdw blurRad="38100" dist="25400" dir="5400000" algn="ctr" rotWithShape="0">
+                    <a:srgbClr val="6E747A">
+                      <a:alpha val="43000"/>
+                    </a:srgbClr>
+                  </a:outerShdw>
+                </a:effectLst>
+                <a:latin typeface="Bahnschrift Condensed" panose="020B0502040204020203" pitchFamily="34" charset="0"/>
+              </a:rPr>
+              <a:t>озелененность</a:t>
+            </a:r>
+            <a:r>
+              <a:rPr lang="ru-RU" sz="2000" dirty="0">
+                <a:ln w="0"/>
+                <a:solidFill>
+                  <a:srgbClr val="301053"/>
+                </a:solidFill>
+                <a:effectLst>
+                  <a:outerShdw blurRad="38100" dist="25400" dir="5400000" algn="ctr" rotWithShape="0">
+                    <a:srgbClr val="6E747A">
+                      <a:alpha val="43000"/>
+                    </a:srgbClr>
+                  </a:outerShdw>
+                </a:effectLst>
+                <a:latin typeface="Bahnschrift Condensed" panose="020B0502040204020203" pitchFamily="34" charset="0"/>
+              </a:rPr>
+              <a:t>, болезни и вредители;</a:t>
+            </a:r>
+          </a:p>
+          <a:p>
+            <a:r>
+              <a:rPr lang="ru-RU" sz="2000" dirty="0">
+                <a:ln w="0"/>
+                <a:solidFill>
+                  <a:srgbClr val="301053"/>
+                </a:solidFill>
+                <a:effectLst>
+                  <a:outerShdw blurRad="38100" dist="25400" dir="5400000" algn="ctr" rotWithShape="0">
+                    <a:srgbClr val="6E747A">
+                      <a:alpha val="43000"/>
+                    </a:srgbClr>
+                  </a:outerShdw>
+                </a:effectLst>
+                <a:latin typeface="Bahnschrift Condensed" panose="020B0502040204020203" pitchFamily="34" charset="0"/>
+              </a:rPr>
+              <a:t>     3.7 поиск видов - </a:t>
+            </a:r>
+            <a:r>
+              <a:rPr lang="ru-RU" sz="2000" dirty="0" err="1">
+                <a:ln w="0"/>
+                <a:solidFill>
+                  <a:srgbClr val="301053"/>
+                </a:solidFill>
+                <a:effectLst>
+                  <a:outerShdw blurRad="38100" dist="25400" dir="5400000" algn="ctr" rotWithShape="0">
+                    <a:srgbClr val="6E747A">
+                      <a:alpha val="43000"/>
+                    </a:srgbClr>
+                  </a:outerShdw>
+                </a:effectLst>
+                <a:latin typeface="Bahnschrift Condensed" panose="020B0502040204020203" pitchFamily="34" charset="0"/>
+              </a:rPr>
+              <a:t>полемохоров</a:t>
+            </a:r>
+            <a:r>
+              <a:rPr lang="ru-RU" sz="2000" dirty="0">
+                <a:ln w="0"/>
+                <a:solidFill>
+                  <a:srgbClr val="301053"/>
+                </a:solidFill>
+                <a:effectLst>
+                  <a:outerShdw blurRad="38100" dist="25400" dir="5400000" algn="ctr" rotWithShape="0">
+                    <a:srgbClr val="6E747A">
+                      <a:alpha val="43000"/>
+                    </a:srgbClr>
+                  </a:outerShdw>
+                </a:effectLst>
+                <a:latin typeface="Bahnschrift Condensed" panose="020B0502040204020203" pitchFamily="34" charset="0"/>
+              </a:rPr>
+              <a:t>: растений, проникших на территорию в результате военных действий.  Они были занесены  в Среднюю Россию во время Великой Отечественной Войны;</a:t>
+            </a:r>
+          </a:p>
+          <a:p>
+            <a:endParaRPr lang="ru-RU" sz="2400" dirty="0">
+              <a:ln w="0"/>
+              <a:solidFill>
+                <a:srgbClr val="301053"/>
+              </a:solidFill>
+              <a:effectLst>
+                <a:outerShdw blurRad="38100" dist="25400" dir="5400000" algn="ctr" rotWithShape="0">
+                  <a:srgbClr val="6E747A">
+                    <a:alpha val="43000"/>
+                  </a:srgbClr>
+                </a:outerShdw>
+              </a:effectLst>
+              <a:latin typeface="Bahnschrift Condensed" panose="020B0502040204020203" pitchFamily="34" charset="0"/>
+            </a:endParaRPr>
+          </a:p>
+          <a:p>
+            <a:r>
+              <a:rPr lang="ru-RU" sz="2400" dirty="0">
+                <a:ln w="0"/>
+                <a:solidFill>
+                  <a:schemeClr val="accent1"/>
+                </a:solidFill>
+                <a:effectLst>
+                  <a:outerShdw blurRad="38100" dist="25400" dir="5400000" algn="ctr" rotWithShape="0">
+                    <a:srgbClr val="6E747A">
+                      <a:alpha val="43000"/>
+                    </a:srgbClr>
+                  </a:outerShdw>
+                </a:effectLst>
+              </a:rPr>
+              <a:t>   </a:t>
+            </a:r>
+          </a:p>
+        </p:txBody>
+      </p:sp>
+    </p:spTree>
+    <p:extLst>
+      <p:ext uri="{BB962C8B-B14F-4D97-AF65-F5344CB8AC3E}">
+        <p14:creationId xmlns:p14="http://schemas.microsoft.com/office/powerpoint/2010/main" val="2018127430"/>
+      </p:ext>
+    </p:extLst>
+  </p:cSld>
+  <p:clrMapOvr>
+    <a:masterClrMapping/>
+  </p:clrMapOvr>
+</p:sld>
+</file>
+
+<file path=ppt/slides/slide11.xml><?xml version="1.0" encoding="utf-8"?>
+<p:sld xmlns:a="http://schemas.openxmlformats.org/drawingml/2006/main" xmlns:r="http://schemas.openxmlformats.org/officeDocument/2006/relationships" xmlns:p="http://schemas.openxmlformats.org/presentationml/2006/main">
+  <p:cSld>
+    <p:bg>
+      <p:bgPr>
+        <a:blipFill dpi="0" rotWithShape="1">
+          <a:blip r:embed="rId2">
+            <a:lum/>
+          </a:blip>
+          <a:srcRect/>
+          <a:stretch>
+            <a:fillRect/>
+          </a:stretch>
+        </a:blipFill>
+        <a:effectLst/>
+      </p:bgPr>
+    </p:bg>
+    <p:spTree>
+      <p:nvGrpSpPr>
+        <p:cNvPr id="1" name=""/>
+        <p:cNvGrpSpPr/>
+        <p:nvPr/>
+      </p:nvGrpSpPr>
+      <p:grpSpPr>
+        <a:xfrm>
+          <a:off x="0" y="0"/>
+          <a:ext cx="0" cy="0"/>
+          <a:chOff x="0" y="0"/>
+          <a:chExt cx="0" cy="0"/>
+        </a:xfrm>
+      </p:grpSpPr>
+      <p:cxnSp>
+        <p:nvCxnSpPr>
+          <p:cNvPr id="9" name="Прямая соединительная линия 8">
+            <a:extLst>
+              <a:ext uri="{FF2B5EF4-FFF2-40B4-BE49-F238E27FC236}">
+                <a16:creationId xmlns:a16="http://schemas.microsoft.com/office/drawing/2014/main" id="{A565CD5C-79CA-4793-9B35-B0325A73BC47}"/>
+              </a:ext>
+            </a:extLst>
+          </p:cNvPr>
+          <p:cNvCxnSpPr>
+            <a:cxnSpLocks/>
+          </p:cNvCxnSpPr>
+          <p:nvPr/>
+        </p:nvCxnSpPr>
+        <p:spPr>
+          <a:xfrm>
+            <a:off x="203200" y="680720"/>
+            <a:ext cx="11785600" cy="0"/>
+          </a:xfrm>
+          <a:prstGeom prst="line">
+            <a:avLst/>
+          </a:prstGeom>
+          <a:ln>
+            <a:solidFill>
+              <a:schemeClr val="bg1">
+                <a:lumMod val="65000"/>
+              </a:schemeClr>
+            </a:solidFill>
+          </a:ln>
+        </p:spPr>
+        <p:style>
+          <a:lnRef idx="1">
+            <a:schemeClr val="accent1"/>
+          </a:lnRef>
+          <a:fillRef idx="0">
+            <a:schemeClr val="accent1"/>
+          </a:fillRef>
+          <a:effectRef idx="0">
+            <a:schemeClr val="accent1"/>
+          </a:effectRef>
+          <a:fontRef idx="minor">
+            <a:schemeClr val="tx1"/>
+          </a:fontRef>
+        </p:style>
+      </p:cxnSp>
+      <p:sp>
+        <p:nvSpPr>
+          <p:cNvPr id="14" name="TextBox 13">
+            <a:extLst>
+              <a:ext uri="{FF2B5EF4-FFF2-40B4-BE49-F238E27FC236}">
+                <a16:creationId xmlns:a16="http://schemas.microsoft.com/office/drawing/2014/main" id="{787C4DD5-476F-41DE-94C0-2884D39F68F7}"/>
+              </a:ext>
+            </a:extLst>
+          </p:cNvPr>
+          <p:cNvSpPr txBox="1"/>
+          <p:nvPr/>
+        </p:nvSpPr>
+        <p:spPr>
+          <a:xfrm>
+            <a:off x="2526498" y="802823"/>
+            <a:ext cx="6878619" cy="923330"/>
+          </a:xfrm>
+          <a:prstGeom prst="rect">
+            <a:avLst/>
+          </a:prstGeom>
+          <a:noFill/>
+        </p:spPr>
+        <p:txBody>
+          <a:bodyPr wrap="square" rtlCol="0">
+            <a:spAutoFit/>
+          </a:bodyPr>
+          <a:lstStyle/>
+          <a:p>
+            <a:pPr algn="ctr"/>
+            <a:r>
+              <a:rPr lang="ru-RU" sz="5400" dirty="0">
+                <a:solidFill>
+                  <a:srgbClr val="301053"/>
+                </a:solidFill>
+                <a:latin typeface="Bahnschrift Condensed" panose="020B0502040204020203" pitchFamily="34" charset="0"/>
+              </a:rPr>
+              <a:t>Перспективы развития</a:t>
+            </a:r>
+            <a:endParaRPr lang="ru-RU" sz="5400" dirty="0">
+              <a:ln w="0"/>
+              <a:solidFill>
+                <a:schemeClr val="accent1"/>
+              </a:solidFill>
+              <a:effectLst>
+                <a:outerShdw blurRad="38100" dist="25400" dir="5400000" algn="ctr" rotWithShape="0">
+                  <a:srgbClr val="6E747A">
+                    <a:alpha val="43000"/>
+                  </a:srgbClr>
+                </a:outerShdw>
+              </a:effectLst>
+            </a:endParaRPr>
+          </a:p>
+        </p:txBody>
+      </p:sp>
+      <p:sp>
+        <p:nvSpPr>
+          <p:cNvPr id="16" name="TextBox 15">
+            <a:extLst>
+              <a:ext uri="{FF2B5EF4-FFF2-40B4-BE49-F238E27FC236}">
+                <a16:creationId xmlns:a16="http://schemas.microsoft.com/office/drawing/2014/main" id="{41EC1F4E-3769-4C31-B7D2-A9DFB7865CC5}"/>
+              </a:ext>
+            </a:extLst>
+          </p:cNvPr>
+          <p:cNvSpPr txBox="1"/>
+          <p:nvPr/>
+        </p:nvSpPr>
+        <p:spPr>
+          <a:xfrm>
+            <a:off x="10530840" y="241179"/>
+            <a:ext cx="2692400" cy="461665"/>
+          </a:xfrm>
+          <a:prstGeom prst="rect">
+            <a:avLst/>
+          </a:prstGeom>
+          <a:noFill/>
+        </p:spPr>
+        <p:txBody>
+          <a:bodyPr wrap="square" rtlCol="0">
+            <a:spAutoFit/>
+          </a:bodyPr>
+          <a:lstStyle/>
+          <a:p>
+            <a:r>
+              <a:rPr lang="en-US" sz="2400" dirty="0">
+                <a:solidFill>
+                  <a:srgbClr val="002060"/>
+                </a:solidFill>
+                <a:latin typeface="Bahnschrift Condensed" panose="020B0502040204020203" pitchFamily="34" charset="0"/>
+              </a:rPr>
+              <a:t>0</a:t>
+            </a:r>
+            <a:r>
+              <a:rPr lang="ru-RU" sz="2400" dirty="0">
+                <a:solidFill>
+                  <a:srgbClr val="002060"/>
+                </a:solidFill>
+                <a:latin typeface="Bahnschrift Condensed" panose="020B0502040204020203" pitchFamily="34" charset="0"/>
+              </a:rPr>
+              <a:t>2.</a:t>
+            </a:r>
+            <a:r>
+              <a:rPr lang="en-US" sz="2400" dirty="0">
+                <a:solidFill>
+                  <a:srgbClr val="002060"/>
+                </a:solidFill>
+                <a:latin typeface="Bahnschrift Condensed" panose="020B0502040204020203" pitchFamily="34" charset="0"/>
+              </a:rPr>
+              <a:t>10</a:t>
+            </a:r>
+            <a:r>
+              <a:rPr lang="ru-RU" sz="2400" dirty="0">
+                <a:solidFill>
+                  <a:srgbClr val="002060"/>
+                </a:solidFill>
+                <a:latin typeface="Bahnschrift Condensed" panose="020B0502040204020203" pitchFamily="34" charset="0"/>
+              </a:rPr>
+              <a:t>.202</a:t>
+            </a:r>
+            <a:r>
+              <a:rPr lang="en-US" sz="2400" dirty="0">
+                <a:solidFill>
+                  <a:srgbClr val="002060"/>
+                </a:solidFill>
+                <a:latin typeface="Bahnschrift Condensed" panose="020B0502040204020203" pitchFamily="34" charset="0"/>
+              </a:rPr>
+              <a:t>5</a:t>
+            </a:r>
+            <a:r>
+              <a:rPr lang="ru-RU" sz="2400" dirty="0">
+                <a:solidFill>
+                  <a:srgbClr val="002060"/>
+                </a:solidFill>
+                <a:latin typeface="Bahnschrift Condensed" panose="020B0502040204020203" pitchFamily="34" charset="0"/>
+              </a:rPr>
+              <a:t>.</a:t>
+            </a:r>
+          </a:p>
+        </p:txBody>
+      </p:sp>
+      <p:pic>
+        <p:nvPicPr>
+          <p:cNvPr id="3" name="Рисунок 2">
+            <a:extLst>
+              <a:ext uri="{FF2B5EF4-FFF2-40B4-BE49-F238E27FC236}">
+                <a16:creationId xmlns:a16="http://schemas.microsoft.com/office/drawing/2014/main" id="{4C4948C4-FAB4-4696-AF9E-8D7CA19E72E8}"/>
+              </a:ext>
+            </a:extLst>
+          </p:cNvPr>
+          <p:cNvPicPr>
+            <a:picLocks noChangeAspect="1"/>
+          </p:cNvPicPr>
+          <p:nvPr/>
+        </p:nvPicPr>
+        <p:blipFill>
+          <a:blip r:embed="rId3">
+            <a:extLst>
+              <a:ext uri="{28A0092B-C50C-407E-A947-70E740481C1C}">
+                <a14:useLocalDpi xmlns:a14="http://schemas.microsoft.com/office/drawing/2010/main" val="0"/>
+              </a:ext>
+            </a:extLst>
+          </a:blip>
+          <a:stretch>
+            <a:fillRect/>
+          </a:stretch>
+        </p:blipFill>
+        <p:spPr>
+          <a:xfrm>
+            <a:off x="203200" y="116085"/>
+            <a:ext cx="2184998" cy="546250"/>
+          </a:xfrm>
+          <a:prstGeom prst="rect">
+            <a:avLst/>
+          </a:prstGeom>
+        </p:spPr>
+      </p:pic>
+      <p:pic>
+        <p:nvPicPr>
+          <p:cNvPr id="18" name="Рисунок 17">
+            <a:extLst>
+              <a:ext uri="{FF2B5EF4-FFF2-40B4-BE49-F238E27FC236}">
+                <a16:creationId xmlns:a16="http://schemas.microsoft.com/office/drawing/2014/main" id="{8C4CFBD3-A5B4-44C0-8871-F7EDAF5558D1}"/>
+              </a:ext>
+            </a:extLst>
+          </p:cNvPr>
+          <p:cNvPicPr>
+            <a:picLocks noChangeAspect="1"/>
+          </p:cNvPicPr>
+          <p:nvPr/>
+        </p:nvPicPr>
+        <p:blipFill>
+          <a:blip r:embed="rId4">
+            <a:extLst>
+              <a:ext uri="{28A0092B-C50C-407E-A947-70E740481C1C}">
+                <a14:useLocalDpi xmlns:a14="http://schemas.microsoft.com/office/drawing/2010/main" val="0"/>
+              </a:ext>
+            </a:extLst>
+          </a:blip>
+          <a:stretch>
+            <a:fillRect/>
+          </a:stretch>
+        </p:blipFill>
+        <p:spPr>
+          <a:xfrm>
+            <a:off x="2526498" y="144273"/>
+            <a:ext cx="1787318" cy="524717"/>
+          </a:xfrm>
+          <a:prstGeom prst="rect">
+            <a:avLst/>
+          </a:prstGeom>
+        </p:spPr>
+      </p:pic>
+      <p:sp>
+        <p:nvSpPr>
+          <p:cNvPr id="8" name="TextBox 7">
+            <a:extLst>
+              <a:ext uri="{FF2B5EF4-FFF2-40B4-BE49-F238E27FC236}">
+                <a16:creationId xmlns:a16="http://schemas.microsoft.com/office/drawing/2014/main" id="{179CE387-FD9E-443E-B0D8-AA84E9E0A2DE}"/>
+              </a:ext>
+            </a:extLst>
+          </p:cNvPr>
+          <p:cNvSpPr txBox="1"/>
+          <p:nvPr/>
+        </p:nvSpPr>
+        <p:spPr>
+          <a:xfrm>
             <a:off x="8747393" y="1572833"/>
             <a:ext cx="2903587" cy="3046988"/>
           </a:xfrm>
@@ -4751,7 +5420,7 @@
 </p:sld>
 </file>
 
-<file path=ppt/slides/slide11.xml><?xml version="1.0" encoding="utf-8"?>
+<file path=ppt/slides/slide12.xml><?xml version="1.0" encoding="utf-8"?>
 <p:sld xmlns:a="http://schemas.openxmlformats.org/drawingml/2006/main" xmlns:r="http://schemas.openxmlformats.org/officeDocument/2006/relationships" xmlns:p="http://schemas.openxmlformats.org/presentationml/2006/main">
   <p:cSld>
     <p:bg>
@@ -7585,8 +8254,8 @@
         </p:nvSpPr>
         <p:spPr>
           <a:xfrm>
-            <a:off x="6837123" y="1619601"/>
-            <a:ext cx="4948791" cy="1477328"/>
+            <a:off x="8961120" y="2135968"/>
+            <a:ext cx="2480549" cy="2862322"/>
           </a:xfrm>
           <a:prstGeom prst="rect">
             <a:avLst/>
@@ -7594,7 +8263,7 @@
           <a:noFill/>
         </p:spPr>
         <p:txBody>
-          <a:bodyPr wrap="none" rtlCol="0">
+          <a:bodyPr wrap="square" rtlCol="0">
             <a:spAutoFit/>
           </a:bodyPr>
           <a:lstStyle/>
@@ -7720,6 +8389,42 @@
           </a:p>
         </p:txBody>
       </p:sp>
+      <p:pic>
+        <p:nvPicPr>
+          <p:cNvPr id="4" name="Рисунок 3">
+            <a:extLst>
+              <a:ext uri="{FF2B5EF4-FFF2-40B4-BE49-F238E27FC236}">
+                <a16:creationId xmlns:a16="http://schemas.microsoft.com/office/drawing/2014/main" id="{A7D5D1A8-917E-45A2-8C19-4E0190C142CD}"/>
+              </a:ext>
+            </a:extLst>
+          </p:cNvPr>
+          <p:cNvPicPr>
+            <a:picLocks noChangeAspect="1"/>
+          </p:cNvPicPr>
+          <p:nvPr/>
+        </p:nvPicPr>
+        <p:blipFill>
+          <a:blip r:embed="rId5">
+            <a:extLst>
+              <a:ext uri="{28A0092B-C50C-407E-A947-70E740481C1C}">
+                <a14:useLocalDpi xmlns:a14="http://schemas.microsoft.com/office/drawing/2010/main" val="0"/>
+              </a:ext>
+            </a:extLst>
+          </a:blip>
+          <a:stretch>
+            <a:fillRect/>
+          </a:stretch>
+        </p:blipFill>
+        <p:spPr>
+          <a:xfrm>
+            <a:off x="666974" y="1570549"/>
+            <a:ext cx="7993931" cy="5143178"/>
+          </a:xfrm>
+          <a:prstGeom prst="rect">
+            <a:avLst/>
+          </a:prstGeom>
+        </p:spPr>
+      </p:pic>
     </p:spTree>
     <p:extLst>
       <p:ext uri="{BB962C8B-B14F-4D97-AF65-F5344CB8AC3E}">
@@ -8386,7 +9091,7 @@
                 </a:solidFill>
                 <a:latin typeface="Bahnschrift Condensed" panose="020B0502040204020203" pitchFamily="34" charset="0"/>
               </a:rPr>
-              <a:t>0910_SanitarkaEn</a:t>
+              <a:t>0900_SanitarkaRu</a:t>
             </a:r>
           </a:p>
         </p:txBody>
@@ -8548,287 +9253,12 @@
           </a:prstGeom>
         </p:spPr>
       </p:pic>
-      <p:sp>
-        <p:nvSpPr>
-          <p:cNvPr id="7" name="TextBox 6">
-            <a:extLst>
-              <a:ext uri="{FF2B5EF4-FFF2-40B4-BE49-F238E27FC236}">
-                <a16:creationId xmlns:a16="http://schemas.microsoft.com/office/drawing/2014/main" id="{AA027F9D-207C-40E6-8A46-D05C8BA152A5}"/>
-              </a:ext>
-            </a:extLst>
-          </p:cNvPr>
-          <p:cNvSpPr txBox="1"/>
-          <p:nvPr/>
-        </p:nvSpPr>
-        <p:spPr>
-          <a:xfrm>
-            <a:off x="7172956" y="1619601"/>
-            <a:ext cx="4277132" cy="3139321"/>
-          </a:xfrm>
-          <a:prstGeom prst="rect">
-            <a:avLst/>
-          </a:prstGeom>
-          <a:noFill/>
-        </p:spPr>
-        <p:txBody>
-          <a:bodyPr wrap="none" rtlCol="0">
-            <a:spAutoFit/>
-          </a:bodyPr>
-          <a:lstStyle/>
-          <a:p>
-            <a:pPr algn="ctr"/>
-            <a:r>
-              <a:rPr lang="ru-RU" dirty="0">
-                <a:solidFill>
-                  <a:srgbClr val="301053"/>
-                </a:solidFill>
-                <a:latin typeface="Bahnschrift Condensed" panose="020B0502040204020203" pitchFamily="34" charset="0"/>
-              </a:rPr>
-              <a:t>Используем </a:t>
-            </a:r>
-            <a:r>
-              <a:rPr lang="ru-RU" dirty="0" err="1">
-                <a:solidFill>
-                  <a:srgbClr val="301053"/>
-                </a:solidFill>
-                <a:latin typeface="Bahnschrift Condensed" panose="020B0502040204020203" pitchFamily="34" charset="0"/>
-              </a:rPr>
-              <a:t>Gemma</a:t>
-            </a:r>
-            <a:r>
-              <a:rPr lang="ru-RU" dirty="0">
-                <a:solidFill>
-                  <a:srgbClr val="301053"/>
-                </a:solidFill>
-                <a:latin typeface="Bahnschrift Condensed" panose="020B0502040204020203" pitchFamily="34" charset="0"/>
-              </a:rPr>
-              <a:t> 3 для определения наличия </a:t>
-            </a:r>
-            <a:endParaRPr lang="en-US" dirty="0">
-              <a:solidFill>
-                <a:srgbClr val="301053"/>
-              </a:solidFill>
-              <a:latin typeface="Bahnschrift Condensed" panose="020B0502040204020203" pitchFamily="34" charset="0"/>
-            </a:endParaRPr>
-          </a:p>
-          <a:p>
-            <a:pPr algn="ctr"/>
-            <a:r>
-              <a:rPr lang="ru-RU" dirty="0">
-                <a:solidFill>
-                  <a:srgbClr val="301053"/>
-                </a:solidFill>
-                <a:latin typeface="Bahnschrift Condensed" panose="020B0502040204020203" pitchFamily="34" charset="0"/>
-              </a:rPr>
-              <a:t>и описания вида санитарного повреждения дерева. </a:t>
-            </a:r>
-            <a:endParaRPr lang="en-US" dirty="0">
-              <a:solidFill>
-                <a:srgbClr val="301053"/>
-              </a:solidFill>
-              <a:latin typeface="Bahnschrift Condensed" panose="020B0502040204020203" pitchFamily="34" charset="0"/>
-            </a:endParaRPr>
-          </a:p>
-          <a:p>
-            <a:pPr algn="ctr"/>
-            <a:r>
-              <a:rPr lang="ru-RU" dirty="0">
-                <a:solidFill>
-                  <a:srgbClr val="301053"/>
-                </a:solidFill>
-                <a:latin typeface="Bahnschrift Condensed" panose="020B0502040204020203" pitchFamily="34" charset="0"/>
-              </a:rPr>
-              <a:t>Запрос на английском языке.</a:t>
-            </a:r>
-            <a:r>
-              <a:rPr lang="en-US" dirty="0">
-                <a:solidFill>
-                  <a:srgbClr val="301053"/>
-                </a:solidFill>
-                <a:latin typeface="Bahnschrift Condensed" panose="020B0502040204020203" pitchFamily="34" charset="0"/>
-              </a:rPr>
-              <a:t>  </a:t>
-            </a:r>
-            <a:endParaRPr lang="ru-RU" dirty="0">
-              <a:solidFill>
-                <a:srgbClr val="301053"/>
-              </a:solidFill>
-              <a:latin typeface="Bahnschrift Condensed" panose="020B0502040204020203" pitchFamily="34" charset="0"/>
-            </a:endParaRPr>
-          </a:p>
-          <a:p>
-            <a:pPr algn="ctr"/>
-            <a:r>
-              <a:rPr lang="ru-RU" dirty="0">
-                <a:solidFill>
-                  <a:srgbClr val="301053"/>
-                </a:solidFill>
-                <a:latin typeface="Bahnschrift Condensed" panose="020B0502040204020203" pitchFamily="34" charset="0"/>
-              </a:rPr>
-              <a:t>Для перевода используется </a:t>
-            </a:r>
-          </a:p>
-          <a:p>
-            <a:pPr algn="ctr"/>
-            <a:r>
-              <a:rPr lang="ru-RU" dirty="0">
-                <a:solidFill>
-                  <a:srgbClr val="301053"/>
-                </a:solidFill>
-                <a:latin typeface="Bahnschrift Condensed" panose="020B0502040204020203" pitchFamily="34" charset="0"/>
-              </a:rPr>
-              <a:t>модель </a:t>
-            </a:r>
-            <a:r>
-              <a:rPr lang="nb-NO" dirty="0">
-                <a:solidFill>
-                  <a:srgbClr val="301053"/>
-                </a:solidFill>
-                <a:latin typeface="Bahnschrift Condensed" panose="020B0502040204020203" pitchFamily="34" charset="0"/>
-              </a:rPr>
-              <a:t>m2m</a:t>
-            </a:r>
-            <a:r>
-              <a:rPr lang="ru-RU" dirty="0">
-                <a:solidFill>
-                  <a:srgbClr val="301053"/>
-                </a:solidFill>
-                <a:latin typeface="Bahnschrift Condensed" panose="020B0502040204020203" pitchFamily="34" charset="0"/>
-              </a:rPr>
-              <a:t>_</a:t>
-            </a:r>
-            <a:r>
-              <a:rPr lang="nb-NO" dirty="0">
-                <a:solidFill>
-                  <a:srgbClr val="301053"/>
-                </a:solidFill>
-                <a:latin typeface="Bahnschrift Condensed" panose="020B0502040204020203" pitchFamily="34" charset="0"/>
-              </a:rPr>
-              <a:t>translate</a:t>
-            </a:r>
-            <a:r>
-              <a:rPr lang="ru-RU" dirty="0">
-                <a:solidFill>
-                  <a:srgbClr val="301053"/>
-                </a:solidFill>
-                <a:latin typeface="Bahnschrift Condensed" panose="020B0502040204020203" pitchFamily="34" charset="0"/>
-              </a:rPr>
-              <a:t>_</a:t>
-            </a:r>
-            <a:r>
-              <a:rPr lang="nb-NO" dirty="0">
-                <a:solidFill>
-                  <a:srgbClr val="301053"/>
-                </a:solidFill>
-                <a:latin typeface="Bahnschrift Condensed" panose="020B0502040204020203" pitchFamily="34" charset="0"/>
-              </a:rPr>
-              <a:t>en_ru</a:t>
-            </a:r>
-          </a:p>
-          <a:p>
-            <a:pPr algn="ctr"/>
-            <a:endParaRPr lang="en-US" dirty="0">
-              <a:solidFill>
-                <a:srgbClr val="301053"/>
-              </a:solidFill>
-              <a:latin typeface="Bahnschrift Condensed" panose="020B0502040204020203" pitchFamily="34" charset="0"/>
-            </a:endParaRPr>
-          </a:p>
-          <a:p>
-            <a:pPr algn="ctr"/>
-            <a:r>
-              <a:rPr lang="ru-RU" dirty="0">
-                <a:solidFill>
-                  <a:srgbClr val="301053"/>
-                </a:solidFill>
-                <a:latin typeface="Bahnschrift Condensed" panose="020B0502040204020203" pitchFamily="34" charset="0"/>
-              </a:rPr>
-              <a:t>Модель </a:t>
-            </a:r>
-            <a:r>
-              <a:rPr lang="ru-RU" dirty="0" err="1">
-                <a:solidFill>
-                  <a:srgbClr val="301053"/>
-                </a:solidFill>
-                <a:latin typeface="Bahnschrift Condensed" panose="020B0502040204020203" pitchFamily="34" charset="0"/>
-              </a:rPr>
-              <a:t>unsloth</a:t>
-            </a:r>
-            <a:r>
-              <a:rPr lang="ru-RU" dirty="0">
-                <a:solidFill>
-                  <a:srgbClr val="301053"/>
-                </a:solidFill>
-                <a:latin typeface="Bahnschrift Condensed" panose="020B0502040204020203" pitchFamily="34" charset="0"/>
-              </a:rPr>
-              <a:t>/gemma-3n-E4B-it</a:t>
-            </a:r>
-            <a:endParaRPr lang="en-US" dirty="0">
-              <a:solidFill>
-                <a:srgbClr val="301053"/>
-              </a:solidFill>
-              <a:latin typeface="Bahnschrift Condensed" panose="020B0502040204020203" pitchFamily="34" charset="0"/>
-            </a:endParaRPr>
-          </a:p>
-          <a:p>
-            <a:pPr algn="ctr"/>
-            <a:endParaRPr lang="en-US" dirty="0">
-              <a:solidFill>
-                <a:srgbClr val="301053"/>
-              </a:solidFill>
-              <a:latin typeface="Bahnschrift Condensed" panose="020B0502040204020203" pitchFamily="34" charset="0"/>
-            </a:endParaRPr>
-          </a:p>
-          <a:p>
-            <a:pPr algn="ctr"/>
-            <a:r>
-              <a:rPr lang="ru-RU" dirty="0">
-                <a:solidFill>
-                  <a:srgbClr val="301053"/>
-                </a:solidFill>
-                <a:latin typeface="Bahnschrift Condensed" panose="020B0502040204020203" pitchFamily="34" charset="0"/>
-              </a:rPr>
-              <a:t>Используем два запроса: </a:t>
-            </a:r>
-          </a:p>
-          <a:p>
-            <a:pPr algn="ctr"/>
-            <a:r>
-              <a:rPr lang="ru-RU" dirty="0">
-                <a:solidFill>
-                  <a:srgbClr val="301053"/>
-                </a:solidFill>
-                <a:latin typeface="Bahnschrift Condensed" panose="020B0502040204020203" pitchFamily="34" charset="0"/>
-              </a:rPr>
-              <a:t>1. для определения класса повреждений (на рис.1)</a:t>
-            </a:r>
-          </a:p>
-          <a:p>
-            <a:pPr algn="ctr"/>
-            <a:r>
-              <a:rPr lang="ru-RU" dirty="0">
-                <a:solidFill>
-                  <a:srgbClr val="301053"/>
-                </a:solidFill>
-                <a:latin typeface="Bahnschrift Condensed" panose="020B0502040204020203" pitchFamily="34" charset="0"/>
-              </a:rPr>
-              <a:t>2. Для генерации подробного описания</a:t>
-            </a:r>
-            <a:endParaRPr lang="en-US" dirty="0">
-              <a:solidFill>
-                <a:srgbClr val="301053"/>
-              </a:solidFill>
-              <a:latin typeface="Bahnschrift Condensed" panose="020B0502040204020203" pitchFamily="34" charset="0"/>
-            </a:endParaRPr>
-          </a:p>
-        </p:txBody>
-      </p:sp>
       <p:pic>
         <p:nvPicPr>
-          <p:cNvPr id="4" name="Рисунок 3">
-            <a:extLst>
-              <a:ext uri="{FF2B5EF4-FFF2-40B4-BE49-F238E27FC236}">
-                <a16:creationId xmlns:a16="http://schemas.microsoft.com/office/drawing/2014/main" id="{89FD22DC-CF86-4F41-9E63-DD63AFD9975B}"/>
+          <p:cNvPr id="5" name="Рисунок 4">
+            <a:extLst>
+              <a:ext uri="{FF2B5EF4-FFF2-40B4-BE49-F238E27FC236}">
+                <a16:creationId xmlns:a16="http://schemas.microsoft.com/office/drawing/2014/main" id="{30D1B5F0-D952-4077-B683-85116CB8EEE7}"/>
               </a:ext>
             </a:extLst>
           </p:cNvPr>
@@ -8851,18 +9281,92 @@
         </p:blipFill>
         <p:spPr>
           <a:xfrm>
-            <a:off x="309621" y="1617359"/>
-            <a:ext cx="6863336" cy="4104901"/>
+            <a:off x="1108038" y="1610705"/>
+            <a:ext cx="6925262" cy="4985628"/>
           </a:xfrm>
           <a:prstGeom prst="rect">
             <a:avLst/>
           </a:prstGeom>
         </p:spPr>
       </p:pic>
+      <p:sp>
+        <p:nvSpPr>
+          <p:cNvPr id="11" name="TextBox 10">
+            <a:extLst>
+              <a:ext uri="{FF2B5EF4-FFF2-40B4-BE49-F238E27FC236}">
+                <a16:creationId xmlns:a16="http://schemas.microsoft.com/office/drawing/2014/main" id="{1E1E7F37-6CA0-452F-A48C-2E1B759896C5}"/>
+              </a:ext>
+            </a:extLst>
+          </p:cNvPr>
+          <p:cNvSpPr txBox="1"/>
+          <p:nvPr/>
+        </p:nvSpPr>
+        <p:spPr>
+          <a:xfrm>
+            <a:off x="8757686" y="1619601"/>
+            <a:ext cx="2692401" cy="2031325"/>
+          </a:xfrm>
+          <a:prstGeom prst="rect">
+            <a:avLst/>
+          </a:prstGeom>
+          <a:noFill/>
+        </p:spPr>
+        <p:txBody>
+          <a:bodyPr wrap="square" rtlCol="0">
+            <a:spAutoFit/>
+          </a:bodyPr>
+          <a:lstStyle/>
+          <a:p>
+            <a:pPr algn="ctr"/>
+            <a:r>
+              <a:rPr lang="ru-RU" dirty="0">
+                <a:solidFill>
+                  <a:srgbClr val="301053"/>
+                </a:solidFill>
+                <a:latin typeface="Bahnschrift Condensed" panose="020B0502040204020203" pitchFamily="34" charset="0"/>
+              </a:rPr>
+              <a:t>Выводим определенный санитарный класс в </a:t>
+            </a:r>
+            <a:r>
+              <a:rPr lang="ru-RU" dirty="0" err="1">
+                <a:solidFill>
+                  <a:srgbClr val="301053"/>
+                </a:solidFill>
+                <a:latin typeface="Bahnschrift Condensed" panose="020B0502040204020203" pitchFamily="34" charset="0"/>
+              </a:rPr>
+              <a:t>админке</a:t>
+            </a:r>
+            <a:r>
+              <a:rPr lang="ru-RU" dirty="0">
+                <a:solidFill>
+                  <a:srgbClr val="301053"/>
+                </a:solidFill>
+                <a:latin typeface="Bahnschrift Condensed" panose="020B0502040204020203" pitchFamily="34" charset="0"/>
+              </a:rPr>
+              <a:t> с возможностью ручного подтверждения типа вероятного санитарного повреждения из предложенных нейронной </a:t>
+            </a:r>
+            <a:r>
+              <a:rPr lang="ru-RU">
+                <a:solidFill>
+                  <a:srgbClr val="301053"/>
+                </a:solidFill>
+                <a:latin typeface="Bahnschrift Condensed" panose="020B0502040204020203" pitchFamily="34" charset="0"/>
+              </a:rPr>
+              <a:t>сетью вариантов</a:t>
+            </a:r>
+            <a:endParaRPr lang="en-US" dirty="0">
+              <a:solidFill>
+                <a:srgbClr val="301053"/>
+              </a:solidFill>
+              <a:latin typeface="Bahnschrift Condensed" panose="020B0502040204020203" pitchFamily="34" charset="0"/>
+            </a:endParaRPr>
+          </a:p>
+        </p:txBody>
+      </p:sp>
     </p:spTree>
     <p:extLst>
       <p:ext uri="{BB962C8B-B14F-4D97-AF65-F5344CB8AC3E}">
-        <p14:creationId xmlns:p14="http://schemas.microsoft.com/office/powerpoint/2010/main" val="3051687992"/>
+        <p14:creationId xmlns:p14="http://schemas.microsoft.com/office/powerpoint/2010/main" val="2124112394"/>
       </p:ext>
     </p:extLst>
   </p:cSld>
@@ -8993,43 +9497,7 @@
                 </a:solidFill>
                 <a:latin typeface="Bahnschrift Condensed" panose="020B0502040204020203" pitchFamily="34" charset="0"/>
               </a:rPr>
-              <a:t>09</a:t>
-            </a:r>
-            <a:r>
-              <a:rPr lang="ru-RU" sz="5400" dirty="0">
-                <a:solidFill>
-                  <a:srgbClr val="301053"/>
-                </a:solidFill>
-                <a:latin typeface="Bahnschrift Condensed" panose="020B0502040204020203" pitchFamily="34" charset="0"/>
-              </a:rPr>
-              <a:t>6</a:t>
-            </a:r>
-            <a:r>
-              <a:rPr lang="en-US" sz="5400" dirty="0">
-                <a:solidFill>
-                  <a:srgbClr val="301053"/>
-                </a:solidFill>
-                <a:latin typeface="Bahnschrift Condensed" panose="020B0502040204020203" pitchFamily="34" charset="0"/>
-              </a:rPr>
-              <a:t>0_Sanitarka</a:t>
-            </a:r>
-            <a:r>
-              <a:rPr lang="ru-RU" sz="5400" dirty="0">
-                <a:solidFill>
-                  <a:srgbClr val="301053"/>
-                </a:solidFill>
-                <a:latin typeface="Bahnschrift Condensed" panose="020B0502040204020203" pitchFamily="34" charset="0"/>
-              </a:rPr>
-              <a:t> </a:t>
-            </a:r>
-            <a:r>
-              <a:rPr lang="en-US" sz="5400" dirty="0">
-                <a:solidFill>
-                  <a:srgbClr val="301053"/>
-                </a:solidFill>
-                <a:latin typeface="Bahnschrift Condensed" panose="020B0502040204020203" pitchFamily="34" charset="0"/>
-              </a:rPr>
-              <a:t>Rag</a:t>
+              <a:t>0910_SanitarkaEn</a:t>
             </a:r>
           </a:p>
         </p:txBody>
@@ -9466,10 +9934,46 @@
           </a:p>
         </p:txBody>
       </p:sp>
+      <p:pic>
+        <p:nvPicPr>
+          <p:cNvPr id="4" name="Рисунок 3">
+            <a:extLst>
+              <a:ext uri="{FF2B5EF4-FFF2-40B4-BE49-F238E27FC236}">
+                <a16:creationId xmlns:a16="http://schemas.microsoft.com/office/drawing/2014/main" id="{89FD22DC-CF86-4F41-9E63-DD63AFD9975B}"/>
+              </a:ext>
+            </a:extLst>
+          </p:cNvPr>
+          <p:cNvPicPr>
+            <a:picLocks noChangeAspect="1"/>
+          </p:cNvPicPr>
+          <p:nvPr/>
+        </p:nvPicPr>
+        <p:blipFill>
+          <a:blip r:embed="rId5">
+            <a:extLst>
+              <a:ext uri="{28A0092B-C50C-407E-A947-70E740481C1C}">
+                <a14:useLocalDpi xmlns:a14="http://schemas.microsoft.com/office/drawing/2010/main" val="0"/>
+              </a:ext>
+            </a:extLst>
+          </a:blip>
+          <a:stretch>
+            <a:fillRect/>
+          </a:stretch>
+        </p:blipFill>
+        <p:spPr>
+          <a:xfrm>
+            <a:off x="309621" y="1617359"/>
+            <a:ext cx="6863336" cy="4104901"/>
+          </a:xfrm>
+          <a:prstGeom prst="rect">
+            <a:avLst/>
+          </a:prstGeom>
+        </p:spPr>
+      </p:pic>
     </p:spTree>
     <p:extLst>
       <p:ext uri="{BB962C8B-B14F-4D97-AF65-F5344CB8AC3E}">
-        <p14:creationId xmlns:p14="http://schemas.microsoft.com/office/powerpoint/2010/main" val="1194039058"/>
+        <p14:creationId xmlns:p14="http://schemas.microsoft.com/office/powerpoint/2010/main" val="3051687992"/>
       </p:ext>
     </p:extLst>
   </p:cSld>
@@ -9570,7 +10074,7 @@
         <p:spPr>
           <a:xfrm>
             <a:off x="902746" y="687375"/>
-            <a:ext cx="10386508" cy="1754326"/>
+            <a:ext cx="10386508" cy="923330"/>
           </a:xfrm>
           <a:prstGeom prst="rect">
             <a:avLst/>
@@ -9600,17 +10104,44 @@
                 </a:solidFill>
                 <a:latin typeface="Bahnschrift Condensed" panose="020B0502040204020203" pitchFamily="34" charset="0"/>
               </a:rPr>
-              <a:t>0950_Sanitarka Mnet v3</a:t>
-            </a:r>
-          </a:p>
-          <a:p>
-            <a:pPr algn="ctr"/>
-            <a:endParaRPr lang="en-US" sz="5400" dirty="0">
-              <a:solidFill>
-                <a:srgbClr val="301053"/>
-              </a:solidFill>
-              <a:latin typeface="Bahnschrift Condensed" panose="020B0502040204020203" pitchFamily="34" charset="0"/>
-            </a:endParaRPr>
+              <a:t>09</a:t>
+            </a:r>
+            <a:r>
+              <a:rPr lang="ru-RU" sz="5400" dirty="0">
+                <a:solidFill>
+                  <a:srgbClr val="301053"/>
+                </a:solidFill>
+                <a:latin typeface="Bahnschrift Condensed" panose="020B0502040204020203" pitchFamily="34" charset="0"/>
+              </a:rPr>
+              <a:t>6</a:t>
+            </a:r>
+            <a:r>
+              <a:rPr lang="en-US" sz="5400" dirty="0">
+                <a:solidFill>
+                  <a:srgbClr val="301053"/>
+                </a:solidFill>
+                <a:latin typeface="Bahnschrift Condensed" panose="020B0502040204020203" pitchFamily="34" charset="0"/>
+              </a:rPr>
+              <a:t>0_Sanitarka</a:t>
+            </a:r>
+            <a:r>
+              <a:rPr lang="ru-RU" sz="5400" dirty="0">
+                <a:solidFill>
+                  <a:srgbClr val="301053"/>
+                </a:solidFill>
+                <a:latin typeface="Bahnschrift Condensed" panose="020B0502040204020203" pitchFamily="34" charset="0"/>
+              </a:rPr>
+              <a:t> </a:t>
+            </a:r>
+            <a:r>
+              <a:rPr lang="en-US" sz="5400" dirty="0">
+                <a:solidFill>
+                  <a:srgbClr val="301053"/>
+                </a:solidFill>
+                <a:latin typeface="Bahnschrift Condensed" panose="020B0502040204020203" pitchFamily="34" charset="0"/>
+              </a:rPr>
+              <a:t>Rag</a:t>
+            </a:r>
           </a:p>
         </p:txBody>
       </p:sp>
@@ -9785,8 +10316,8 @@
         </p:nvSpPr>
         <p:spPr>
           <a:xfrm>
-            <a:off x="7768255" y="1830977"/>
-            <a:ext cx="3284874" cy="2585323"/>
+            <a:off x="7172956" y="1619601"/>
+            <a:ext cx="4277132" cy="3139321"/>
           </a:xfrm>
           <a:prstGeom prst="rect">
             <a:avLst/>
@@ -9807,8 +10338,32 @@
                 </a:solidFill>
                 <a:latin typeface="Bahnschrift Condensed" panose="020B0502040204020203" pitchFamily="34" charset="0"/>
               </a:rPr>
-              <a:t>Найденные предыдущими моделями </a:t>
-            </a:r>
+              <a:t>Используем </a:t>
+            </a:r>
+            <a:r>
+              <a:rPr lang="ru-RU" dirty="0" err="1">
+                <a:solidFill>
+                  <a:srgbClr val="301053"/>
+                </a:solidFill>
+                <a:latin typeface="Bahnschrift Condensed" panose="020B0502040204020203" pitchFamily="34" charset="0"/>
+              </a:rPr>
+              <a:t>Gemma</a:t>
+            </a:r>
+            <a:r>
+              <a:rPr lang="ru-RU" dirty="0">
+                <a:solidFill>
+                  <a:srgbClr val="301053"/>
+                </a:solidFill>
+                <a:latin typeface="Bahnschrift Condensed" panose="020B0502040204020203" pitchFamily="34" charset="0"/>
+              </a:rPr>
+              <a:t> 3 для определения наличия </a:t>
+            </a:r>
+            <a:endParaRPr lang="en-US" dirty="0">
+              <a:solidFill>
+                <a:srgbClr val="301053"/>
+              </a:solidFill>
+              <a:latin typeface="Bahnschrift Condensed" panose="020B0502040204020203" pitchFamily="34" charset="0"/>
+            </a:endParaRPr>
           </a:p>
           <a:p>
             <a:pPr algn="ctr"/>
@@ -9819,8 +10374,14 @@
                 </a:solidFill>
                 <a:latin typeface="Bahnschrift Condensed" panose="020B0502040204020203" pitchFamily="34" charset="0"/>
               </a:rPr>
-              <a:t>классы повреждений используем </a:t>
-            </a:r>
+              <a:t>и описания вида санитарного повреждения дерева. </a:t>
+            </a:r>
+            <a:endParaRPr lang="en-US" dirty="0">
+              <a:solidFill>
+                <a:srgbClr val="301053"/>
+              </a:solidFill>
+              <a:latin typeface="Bahnschrift Condensed" panose="020B0502040204020203" pitchFamily="34" charset="0"/>
+            </a:endParaRPr>
           </a:p>
           <a:p>
             <a:pPr algn="ctr"/>
@@ -9831,16 +10392,16 @@
                 </a:solidFill>
                 <a:latin typeface="Bahnschrift Condensed" panose="020B0502040204020203" pitchFamily="34" charset="0"/>
               </a:rPr>
-              <a:t>для генерации классического </a:t>
-            </a:r>
-            <a:r>
-              <a:rPr lang="ru-RU" dirty="0" err="1">
-                <a:solidFill>
-                  <a:srgbClr val="301053"/>
-                </a:solidFill>
-                <a:latin typeface="Bahnschrift Condensed" panose="020B0502040204020203" pitchFamily="34" charset="0"/>
-              </a:rPr>
-              <a:t>датасета</a:t>
+              <a:t>Запрос на английском языке.</a:t>
+            </a:r>
+            <a:r>
+              <a:rPr lang="en-US" dirty="0">
+                <a:solidFill>
+                  <a:srgbClr val="301053"/>
+                </a:solidFill>
+                <a:latin typeface="Bahnschrift Condensed" panose="020B0502040204020203" pitchFamily="34" charset="0"/>
+              </a:rPr>
+              <a:t>  </a:t>
             </a:r>
             <a:endParaRPr lang="ru-RU" dirty="0">
               <a:solidFill>
@@ -9851,12 +10412,15 @@
           </a:p>
           <a:p>
             <a:pPr algn="ctr"/>
-            <a:endParaRPr lang="ru-RU" dirty="0">
-              <a:solidFill>
-                <a:srgbClr val="301053"/>
-              </a:solidFill>
-              <a:latin typeface="Bahnschrift Condensed" panose="020B0502040204020203" pitchFamily="34" charset="0"/>
-            </a:endParaRPr>
+            <a:r>
+              <a:rPr lang="ru-RU" dirty="0">
+                <a:solidFill>
+                  <a:srgbClr val="301053"/>
+                </a:solidFill>
+                <a:latin typeface="Bahnschrift Condensed" panose="020B0502040204020203" pitchFamily="34" charset="0"/>
+              </a:rPr>
+              <a:t>Для перевода используется </a:t>
+            </a:r>
           </a:p>
           <a:p>
             <a:pPr algn="ctr"/>
@@ -9867,11 +10431,17 @@
                 </a:solidFill>
                 <a:latin typeface="Bahnschrift Condensed" panose="020B0502040204020203" pitchFamily="34" charset="0"/>
               </a:rPr>
-              <a:t>Причем, если классы не совпадают,</a:t>
-            </a:r>
-          </a:p>
-          <a:p>
-            <a:pPr algn="ctr"/>
+              <a:t>модель </a:t>
+            </a:r>
+            <a:r>
+              <a:rPr lang="nb-NO" dirty="0">
+                <a:solidFill>
+                  <a:srgbClr val="301053"/>
+                </a:solidFill>
+                <a:latin typeface="Bahnschrift Condensed" panose="020B0502040204020203" pitchFamily="34" charset="0"/>
+              </a:rPr>
+              <a:t>m2m</a:t>
+            </a:r>
             <a:r>
               <a:rPr lang="ru-RU" dirty="0">
                 <a:solidFill>
@@ -9879,11 +10449,17 @@
                 </a:solidFill>
                 <a:latin typeface="Bahnschrift Condensed" panose="020B0502040204020203" pitchFamily="34" charset="0"/>
               </a:rPr>
-              <a:t>то мы полагаем, </a:t>
-            </a:r>
-          </a:p>
-          <a:p>
-            <a:pPr algn="ctr"/>
+              <a:t>_</a:t>
+            </a:r>
+            <a:r>
+              <a:rPr lang="nb-NO" dirty="0">
+                <a:solidFill>
+                  <a:srgbClr val="301053"/>
+                </a:solidFill>
+                <a:latin typeface="Bahnschrift Condensed" panose="020B0502040204020203" pitchFamily="34" charset="0"/>
+              </a:rPr>
+              <a:t>translate</a:t>
+            </a:r>
             <a:r>
               <a:rPr lang="ru-RU" dirty="0">
                 <a:solidFill>
@@ -9891,17 +10467,17 @@
                 </a:solidFill>
                 <a:latin typeface="Bahnschrift Condensed" panose="020B0502040204020203" pitchFamily="34" charset="0"/>
               </a:rPr>
-              <a:t>что необходима ручная верификация.</a:t>
-            </a:r>
-          </a:p>
-          <a:p>
-            <a:pPr algn="ctr"/>
-            <a:endParaRPr lang="ru-RU" dirty="0">
-              <a:solidFill>
-                <a:srgbClr val="301053"/>
-              </a:solidFill>
-              <a:latin typeface="Bahnschrift Condensed" panose="020B0502040204020203" pitchFamily="34" charset="0"/>
-            </a:endParaRPr>
+              <a:t>_</a:t>
+            </a:r>
+            <a:r>
+              <a:rPr lang="nb-NO" dirty="0">
+                <a:solidFill>
+                  <a:srgbClr val="301053"/>
+                </a:solidFill>
+                <a:latin typeface="Bahnschrift Condensed" panose="020B0502040204020203" pitchFamily="34" charset="0"/>
+              </a:rPr>
+              <a:t>en_ru</a:t>
+            </a:r>
           </a:p>
           <a:p>
             <a:pPr algn="ctr"/>
@@ -9912,12 +10488,99 @@
               <a:latin typeface="Bahnschrift Condensed" panose="020B0502040204020203" pitchFamily="34" charset="0"/>
             </a:endParaRPr>
           </a:p>
+          <a:p>
+            <a:pPr algn="ctr"/>
+            <a:r>
+              <a:rPr lang="ru-RU" dirty="0">
+                <a:solidFill>
+                  <a:srgbClr val="301053"/>
+                </a:solidFill>
+                <a:latin typeface="Bahnschrift Condensed" panose="020B0502040204020203" pitchFamily="34" charset="0"/>
+              </a:rPr>
+              <a:t>Модель </a:t>
+            </a:r>
+            <a:r>
+              <a:rPr lang="ru-RU" dirty="0" err="1">
+                <a:solidFill>
+                  <a:srgbClr val="301053"/>
+                </a:solidFill>
+                <a:latin typeface="Bahnschrift Condensed" panose="020B0502040204020203" pitchFamily="34" charset="0"/>
+              </a:rPr>
+              <a:t>unsloth</a:t>
+            </a:r>
+            <a:r>
+              <a:rPr lang="ru-RU" dirty="0">
+                <a:solidFill>
+                  <a:srgbClr val="301053"/>
+                </a:solidFill>
+                <a:latin typeface="Bahnschrift Condensed" panose="020B0502040204020203" pitchFamily="34" charset="0"/>
+              </a:rPr>
+              <a:t>/gemma-3n-E4B-it</a:t>
+            </a:r>
+            <a:endParaRPr lang="en-US" dirty="0">
+              <a:solidFill>
+                <a:srgbClr val="301053"/>
+              </a:solidFill>
+              <a:latin typeface="Bahnschrift Condensed" panose="020B0502040204020203" pitchFamily="34" charset="0"/>
+            </a:endParaRPr>
+          </a:p>
+          <a:p>
+            <a:pPr algn="ctr"/>
+            <a:endParaRPr lang="en-US" dirty="0">
+              <a:solidFill>
+                <a:srgbClr val="301053"/>
+              </a:solidFill>
+              <a:latin typeface="Bahnschrift Condensed" panose="020B0502040204020203" pitchFamily="34" charset="0"/>
+            </a:endParaRPr>
+          </a:p>
+          <a:p>
+            <a:pPr algn="ctr"/>
+            <a:r>
+              <a:rPr lang="ru-RU" dirty="0">
+                <a:solidFill>
+                  <a:srgbClr val="301053"/>
+                </a:solidFill>
+                <a:latin typeface="Bahnschrift Condensed" panose="020B0502040204020203" pitchFamily="34" charset="0"/>
+              </a:rPr>
+              <a:t>Используем два запроса: </a:t>
+            </a:r>
+          </a:p>
+          <a:p>
+            <a:pPr algn="ctr"/>
+            <a:r>
+              <a:rPr lang="ru-RU" dirty="0">
+                <a:solidFill>
+                  <a:srgbClr val="301053"/>
+                </a:solidFill>
+                <a:latin typeface="Bahnschrift Condensed" panose="020B0502040204020203" pitchFamily="34" charset="0"/>
+              </a:rPr>
+              <a:t>1. для определения класса повреждений (на рис.1)</a:t>
+            </a:r>
+          </a:p>
+          <a:p>
+            <a:pPr algn="ctr"/>
+            <a:r>
+              <a:rPr lang="ru-RU" dirty="0">
+                <a:solidFill>
+                  <a:srgbClr val="301053"/>
+                </a:solidFill>
+                <a:latin typeface="Bahnschrift Condensed" panose="020B0502040204020203" pitchFamily="34" charset="0"/>
+              </a:rPr>
+              <a:t>2. Для генерации подробного описания</a:t>
+            </a:r>
+            <a:endParaRPr lang="en-US" dirty="0">
+              <a:solidFill>
+                <a:srgbClr val="301053"/>
+              </a:solidFill>
+              <a:latin typeface="Bahnschrift Condensed" panose="020B0502040204020203" pitchFamily="34" charset="0"/>
+            </a:endParaRPr>
+          </a:p>
         </p:txBody>
       </p:sp>
     </p:spTree>
     <p:extLst>
       <p:ext uri="{BB962C8B-B14F-4D97-AF65-F5344CB8AC3E}">
-        <p14:creationId xmlns:p14="http://schemas.microsoft.com/office/powerpoint/2010/main" val="3378428512"/>
+        <p14:creationId xmlns:p14="http://schemas.microsoft.com/office/powerpoint/2010/main" val="1194039058"/>
       </p:ext>
     </p:extLst>
   </p:cSld>
@@ -10017,8 +10680,8 @@
         </p:nvSpPr>
         <p:spPr>
           <a:xfrm>
-            <a:off x="2526498" y="802823"/>
-            <a:ext cx="6878619" cy="923330"/>
+            <a:off x="902746" y="687375"/>
+            <a:ext cx="10386508" cy="1754326"/>
           </a:xfrm>
           <a:prstGeom prst="rect">
             <a:avLst/>
@@ -10039,20 +10702,25 @@
                 </a:solidFill>
                 <a:latin typeface="Bahnschrift Condensed" panose="020B0502040204020203" pitchFamily="34" charset="0"/>
               </a:rPr>
-              <a:t>Перспективы развития</a:t>
-            </a:r>
-            <a:endParaRPr lang="ru-RU" sz="5400" dirty="0">
-              <a:ln w="0"/>
+              <a:t>Модуль </a:t>
+            </a:r>
+            <a:r>
+              <a:rPr lang="en-US" sz="5400" dirty="0">
+                <a:solidFill>
+                  <a:srgbClr val="301053"/>
+                </a:solidFill>
+                <a:latin typeface="Bahnschrift Condensed" panose="020B0502040204020203" pitchFamily="34" charset="0"/>
+              </a:rPr>
+              <a:t>0950_Sanitarka Mnet v3</a:t>
+            </a:r>
+          </a:p>
+          <a:p>
+            <a:pPr algn="ctr"/>
+            <a:endParaRPr lang="en-US" sz="5400" dirty="0">
               <a:solidFill>
-                <a:schemeClr val="accent1"/>
+                <a:srgbClr val="301053"/>
               </a:solidFill>
-              <a:effectLst>
-                <a:outerShdw blurRad="38100" dist="25400" dir="5400000" algn="ctr" rotWithShape="0">
-                  <a:srgbClr val="6E747A">
-                    <a:alpha val="43000"/>
-                  </a:srgbClr>
-                </a:outerShdw>
-              </a:effectLst>
+              <a:latin typeface="Bahnschrift Condensed" panose="020B0502040204020203" pitchFamily="34" charset="0"/>
             </a:endParaRPr>
           </a:p>
         </p:txBody>
@@ -10216,10 +10884,10 @@
       </p:pic>
       <p:sp>
         <p:nvSpPr>
-          <p:cNvPr id="8" name="TextBox 7">
-            <a:extLst>
-              <a:ext uri="{FF2B5EF4-FFF2-40B4-BE49-F238E27FC236}">
-                <a16:creationId xmlns:a16="http://schemas.microsoft.com/office/drawing/2014/main" id="{179CE387-FD9E-443E-B0D8-AA84E9E0A2DE}"/>
+          <p:cNvPr id="7" name="TextBox 6">
+            <a:extLst>
+              <a:ext uri="{FF2B5EF4-FFF2-40B4-BE49-F238E27FC236}">
+                <a16:creationId xmlns:a16="http://schemas.microsoft.com/office/drawing/2014/main" id="{AA027F9D-207C-40E6-8A46-D05C8BA152A5}"/>
               </a:ext>
             </a:extLst>
           </p:cNvPr>
@@ -10228,8 +10896,8 @@
         </p:nvSpPr>
         <p:spPr>
           <a:xfrm>
-            <a:off x="862814" y="1848255"/>
-            <a:ext cx="9234787" cy="5139869"/>
+            <a:off x="7768255" y="1830977"/>
+            <a:ext cx="3284874" cy="2585323"/>
           </a:xfrm>
           <a:prstGeom prst="rect">
             <a:avLst/>
@@ -10237,355 +10905,130 @@
           <a:noFill/>
         </p:spPr>
         <p:txBody>
-          <a:bodyPr wrap="square" rtlCol="0">
+          <a:bodyPr wrap="none" rtlCol="0">
             <a:spAutoFit/>
           </a:bodyPr>
           <a:lstStyle/>
           <a:p>
-            <a:pPr marL="742950" indent="-742950">
-              <a:buAutoNum type="arabicPeriod"/>
-            </a:pPr>
-            <a:r>
-              <a:rPr lang="ru-RU" sz="2000" dirty="0">
-                <a:solidFill>
-                  <a:srgbClr val="301053"/>
-                </a:solidFill>
-                <a:latin typeface="Bahnschrift Condensed" panose="020B0502040204020203" pitchFamily="34" charset="0"/>
-              </a:rPr>
-              <a:t>Увеличение числа используемых источников: соцсети, блоги, ТМ-каналы, официальные сайты местных органов самоуправления и т.д.;</a:t>
-            </a:r>
-          </a:p>
-          <a:p>
-            <a:pPr marL="742950" indent="-742950">
-              <a:buAutoNum type="arabicPeriod"/>
-            </a:pPr>
-            <a:r>
-              <a:rPr lang="ru-RU" sz="2000" dirty="0">
-                <a:solidFill>
-                  <a:srgbClr val="301053"/>
-                </a:solidFill>
-                <a:latin typeface="Bahnschrift Condensed" panose="020B0502040204020203" pitchFamily="34" charset="0"/>
-              </a:rPr>
-              <a:t>Использование новых моделей для </a:t>
-            </a:r>
-            <a:r>
-              <a:rPr lang="en-US" sz="2000" dirty="0" err="1">
-                <a:solidFill>
-                  <a:srgbClr val="301053"/>
-                </a:solidFill>
-                <a:latin typeface="Bahnschrift Condensed" panose="020B0502040204020203" pitchFamily="34" charset="0"/>
-              </a:rPr>
-              <a:t>GeoOSINT</a:t>
-            </a:r>
-            <a:r>
-              <a:rPr lang="en-US" sz="2000" dirty="0">
-                <a:solidFill>
-                  <a:srgbClr val="301053"/>
-                </a:solidFill>
-                <a:latin typeface="Bahnschrift Condensed" panose="020B0502040204020203" pitchFamily="34" charset="0"/>
-              </a:rPr>
-              <a:t> </a:t>
-            </a:r>
-            <a:r>
-              <a:rPr lang="ru-RU" sz="2000" dirty="0">
-                <a:solidFill>
-                  <a:srgbClr val="301053"/>
-                </a:solidFill>
-                <a:latin typeface="Bahnschrift Condensed" panose="020B0502040204020203" pitchFamily="34" charset="0"/>
-              </a:rPr>
-              <a:t>с нашим </a:t>
-            </a:r>
-            <a:r>
-              <a:rPr lang="ru-RU" sz="2000" dirty="0" err="1">
-                <a:solidFill>
-                  <a:srgbClr val="301053"/>
-                </a:solidFill>
-                <a:latin typeface="Bahnschrift Condensed" panose="020B0502040204020203" pitchFamily="34" charset="0"/>
-              </a:rPr>
-              <a:t>ансамблированием</a:t>
-            </a:r>
-            <a:r>
-              <a:rPr lang="en-US" sz="2000" dirty="0">
-                <a:solidFill>
-                  <a:srgbClr val="301053"/>
-                </a:solidFill>
-                <a:latin typeface="Bahnschrift Condensed" panose="020B0502040204020203" pitchFamily="34" charset="0"/>
-              </a:rPr>
-              <a:t>;</a:t>
-            </a:r>
-            <a:r>
-              <a:rPr lang="ru-RU" sz="2000" dirty="0">
-                <a:solidFill>
-                  <a:srgbClr val="301053"/>
-                </a:solidFill>
-                <a:latin typeface="Bahnschrift Condensed" panose="020B0502040204020203" pitchFamily="34" charset="0"/>
-              </a:rPr>
-              <a:t> </a:t>
-            </a:r>
-          </a:p>
-          <a:p>
-            <a:pPr marL="742950" indent="-742950">
-              <a:buAutoNum type="arabicPeriod"/>
-            </a:pPr>
-            <a:r>
-              <a:rPr lang="ru-RU" sz="2000" dirty="0">
-                <a:ln w="0"/>
-                <a:solidFill>
-                  <a:srgbClr val="301053"/>
-                </a:solidFill>
-                <a:effectLst>
-                  <a:outerShdw blurRad="38100" dist="25400" dir="5400000" algn="ctr" rotWithShape="0">
-                    <a:srgbClr val="6E747A">
-                      <a:alpha val="43000"/>
-                    </a:srgbClr>
-                  </a:outerShdw>
-                </a:effectLst>
-                <a:latin typeface="Bahnschrift Condensed" panose="020B0502040204020203" pitchFamily="34" charset="0"/>
-              </a:rPr>
-              <a:t>Новые детектируемые ситуации: </a:t>
-            </a:r>
-          </a:p>
-          <a:p>
-            <a:r>
-              <a:rPr lang="ru-RU" sz="2000" dirty="0">
-                <a:ln w="0"/>
-                <a:solidFill>
-                  <a:srgbClr val="301053"/>
-                </a:solidFill>
-                <a:effectLst>
-                  <a:outerShdw blurRad="38100" dist="25400" dir="5400000" algn="ctr" rotWithShape="0">
-                    <a:srgbClr val="6E747A">
-                      <a:alpha val="43000"/>
-                    </a:srgbClr>
-                  </a:outerShdw>
-                </a:effectLst>
-                <a:latin typeface="Bahnschrift Condensed" panose="020B0502040204020203" pitchFamily="34" charset="0"/>
-              </a:rPr>
-              <a:t>     3.1 определение мест обитания животных и растений, занесенных в Красную книгу (частично реализовано); </a:t>
-            </a:r>
-          </a:p>
-          <a:p>
-            <a:r>
-              <a:rPr lang="ru-RU" sz="2000" dirty="0">
-                <a:ln w="0"/>
-                <a:solidFill>
-                  <a:srgbClr val="301053"/>
-                </a:solidFill>
-                <a:effectLst>
-                  <a:outerShdw blurRad="38100" dist="25400" dir="5400000" algn="ctr" rotWithShape="0">
-                    <a:srgbClr val="6E747A">
-                      <a:alpha val="43000"/>
-                    </a:srgbClr>
-                  </a:outerShdw>
-                </a:effectLst>
-                <a:latin typeface="Bahnschrift Condensed" panose="020B0502040204020203" pitchFamily="34" charset="0"/>
-              </a:rPr>
-              <a:t>     3.2 отслеживание распространения инвазивных видов (борщевик, клещевина, амурский бычок) (частично реализовано); </a:t>
-            </a:r>
-          </a:p>
-          <a:p>
-            <a:r>
-              <a:rPr lang="ru-RU" sz="2000" dirty="0">
-                <a:ln w="0"/>
-                <a:solidFill>
-                  <a:srgbClr val="301053"/>
-                </a:solidFill>
-                <a:effectLst>
-                  <a:outerShdw blurRad="38100" dist="25400" dir="5400000" algn="ctr" rotWithShape="0">
-                    <a:srgbClr val="6E747A">
-                      <a:alpha val="43000"/>
-                    </a:srgbClr>
-                  </a:outerShdw>
-                </a:effectLst>
-                <a:latin typeface="Bahnschrift Condensed" panose="020B0502040204020203" pitchFamily="34" charset="0"/>
-              </a:rPr>
-              <a:t>     3.3 несанкционированные скопления мусора; </a:t>
-            </a:r>
-          </a:p>
-          <a:p>
-            <a:r>
-              <a:rPr lang="ru-RU" sz="2000" dirty="0">
-                <a:ln w="0"/>
-                <a:solidFill>
-                  <a:srgbClr val="301053"/>
-                </a:solidFill>
-                <a:effectLst>
-                  <a:outerShdw blurRad="38100" dist="25400" dir="5400000" algn="ctr" rotWithShape="0">
-                    <a:srgbClr val="6E747A">
-                      <a:alpha val="43000"/>
-                    </a:srgbClr>
-                  </a:outerShdw>
-                </a:effectLst>
-                <a:latin typeface="Bahnschrift Condensed" panose="020B0502040204020203" pitchFamily="34" charset="0"/>
-              </a:rPr>
-              <a:t>     3.4 ямы на дорогах;</a:t>
-            </a:r>
-          </a:p>
-          <a:p>
-            <a:r>
-              <a:rPr lang="ru-RU" sz="2000" dirty="0">
-                <a:ln w="0"/>
-                <a:solidFill>
-                  <a:srgbClr val="301053"/>
-                </a:solidFill>
-                <a:effectLst>
-                  <a:outerShdw blurRad="38100" dist="25400" dir="5400000" algn="ctr" rotWithShape="0">
-                    <a:srgbClr val="6E747A">
-                      <a:alpha val="43000"/>
-                    </a:srgbClr>
-                  </a:outerShdw>
-                </a:effectLst>
-                <a:latin typeface="Bahnschrift Condensed" panose="020B0502040204020203" pitchFamily="34" charset="0"/>
-              </a:rPr>
-              <a:t>     3.5 санитарные деревья и кустарники (реализовано);</a:t>
-            </a:r>
-          </a:p>
-          <a:p>
-            <a:r>
-              <a:rPr lang="ru-RU" sz="2000" dirty="0">
-                <a:ln w="0"/>
-                <a:solidFill>
-                  <a:srgbClr val="301053"/>
-                </a:solidFill>
-                <a:effectLst>
-                  <a:outerShdw blurRad="38100" dist="25400" dir="5400000" algn="ctr" rotWithShape="0">
-                    <a:srgbClr val="6E747A">
-                      <a:alpha val="43000"/>
-                    </a:srgbClr>
-                  </a:outerShdw>
-                </a:effectLst>
-                <a:latin typeface="Bahnschrift Condensed" panose="020B0502040204020203" pitchFamily="34" charset="0"/>
-              </a:rPr>
-              <a:t>     3.6 оценка состояния растения: размеры, </a:t>
-            </a:r>
-            <a:r>
-              <a:rPr lang="ru-RU" sz="2000" dirty="0" err="1">
-                <a:ln w="0"/>
-                <a:solidFill>
-                  <a:srgbClr val="301053"/>
-                </a:solidFill>
-                <a:effectLst>
-                  <a:outerShdw blurRad="38100" dist="25400" dir="5400000" algn="ctr" rotWithShape="0">
-                    <a:srgbClr val="6E747A">
-                      <a:alpha val="43000"/>
-                    </a:srgbClr>
-                  </a:outerShdw>
-                </a:effectLst>
-                <a:latin typeface="Bahnschrift Condensed" panose="020B0502040204020203" pitchFamily="34" charset="0"/>
-              </a:rPr>
-              <a:t>озелененность</a:t>
-            </a:r>
-            <a:r>
-              <a:rPr lang="ru-RU" sz="2000" dirty="0">
-                <a:ln w="0"/>
-                <a:solidFill>
-                  <a:srgbClr val="301053"/>
-                </a:solidFill>
-                <a:effectLst>
-                  <a:outerShdw blurRad="38100" dist="25400" dir="5400000" algn="ctr" rotWithShape="0">
-                    <a:srgbClr val="6E747A">
-                      <a:alpha val="43000"/>
-                    </a:srgbClr>
-                  </a:outerShdw>
-                </a:effectLst>
-                <a:latin typeface="Bahnschrift Condensed" panose="020B0502040204020203" pitchFamily="34" charset="0"/>
-              </a:rPr>
-              <a:t>, болезни и вредители;</a:t>
-            </a:r>
-          </a:p>
-          <a:p>
-            <a:r>
-              <a:rPr lang="ru-RU" sz="2000" dirty="0">
-                <a:ln w="0"/>
-                <a:solidFill>
-                  <a:srgbClr val="301053"/>
-                </a:solidFill>
-                <a:effectLst>
-                  <a:outerShdw blurRad="38100" dist="25400" dir="5400000" algn="ctr" rotWithShape="0">
-                    <a:srgbClr val="6E747A">
-                      <a:alpha val="43000"/>
-                    </a:srgbClr>
-                  </a:outerShdw>
-                </a:effectLst>
-                <a:latin typeface="Bahnschrift Condensed" panose="020B0502040204020203" pitchFamily="34" charset="0"/>
-              </a:rPr>
-              <a:t>     3.7 поиск видов - </a:t>
-            </a:r>
-            <a:r>
-              <a:rPr lang="ru-RU" sz="2000" dirty="0" err="1">
-                <a:ln w="0"/>
-                <a:solidFill>
-                  <a:srgbClr val="301053"/>
-                </a:solidFill>
-                <a:effectLst>
-                  <a:outerShdw blurRad="38100" dist="25400" dir="5400000" algn="ctr" rotWithShape="0">
-                    <a:srgbClr val="6E747A">
-                      <a:alpha val="43000"/>
-                    </a:srgbClr>
-                  </a:outerShdw>
-                </a:effectLst>
-                <a:latin typeface="Bahnschrift Condensed" panose="020B0502040204020203" pitchFamily="34" charset="0"/>
-              </a:rPr>
-              <a:t>полемохоров</a:t>
-            </a:r>
-            <a:r>
-              <a:rPr lang="ru-RU" sz="2000" dirty="0">
-                <a:ln w="0"/>
-                <a:solidFill>
-                  <a:srgbClr val="301053"/>
-                </a:solidFill>
-                <a:effectLst>
-                  <a:outerShdw blurRad="38100" dist="25400" dir="5400000" algn="ctr" rotWithShape="0">
-                    <a:srgbClr val="6E747A">
-                      <a:alpha val="43000"/>
-                    </a:srgbClr>
-                  </a:outerShdw>
-                </a:effectLst>
-                <a:latin typeface="Bahnschrift Condensed" panose="020B0502040204020203" pitchFamily="34" charset="0"/>
-              </a:rPr>
-              <a:t>: растений, проникших на территорию в результате военных действий.  Они были занесены  в Среднюю Россию во время Великой Отечественной Войны;</a:t>
-            </a:r>
-          </a:p>
-          <a:p>
-            <a:endParaRPr lang="ru-RU" sz="2400" dirty="0">
-              <a:ln w="0"/>
+            <a:pPr algn="ctr"/>
+            <a:r>
+              <a:rPr lang="ru-RU" dirty="0">
+                <a:solidFill>
+                  <a:srgbClr val="301053"/>
+                </a:solidFill>
+                <a:latin typeface="Bahnschrift Condensed" panose="020B0502040204020203" pitchFamily="34" charset="0"/>
+              </a:rPr>
+              <a:t>Найденные предыдущими моделями </a:t>
+            </a:r>
+          </a:p>
+          <a:p>
+            <a:pPr algn="ctr"/>
+            <a:r>
+              <a:rPr lang="ru-RU" dirty="0">
+                <a:solidFill>
+                  <a:srgbClr val="301053"/>
+                </a:solidFill>
+                <a:latin typeface="Bahnschrift Condensed" panose="020B0502040204020203" pitchFamily="34" charset="0"/>
+              </a:rPr>
+              <a:t>классы повреждений используем </a:t>
+            </a:r>
+          </a:p>
+          <a:p>
+            <a:pPr algn="ctr"/>
+            <a:r>
+              <a:rPr lang="ru-RU" dirty="0">
+                <a:solidFill>
+                  <a:srgbClr val="301053"/>
+                </a:solidFill>
+                <a:latin typeface="Bahnschrift Condensed" panose="020B0502040204020203" pitchFamily="34" charset="0"/>
+              </a:rPr>
+              <a:t>для генерации классического </a:t>
+            </a:r>
+            <a:r>
+              <a:rPr lang="ru-RU" dirty="0" err="1">
+                <a:solidFill>
+                  <a:srgbClr val="301053"/>
+                </a:solidFill>
+                <a:latin typeface="Bahnschrift Condensed" panose="020B0502040204020203" pitchFamily="34" charset="0"/>
+              </a:rPr>
+              <a:t>датасета</a:t>
+            </a:r>
+            <a:endParaRPr lang="ru-RU" dirty="0">
               <a:solidFill>
                 <a:srgbClr val="301053"/>
               </a:solidFill>
-              <a:effectLst>
-                <a:outerShdw blurRad="38100" dist="25400" dir="5400000" algn="ctr" rotWithShape="0">
-                  <a:srgbClr val="6E747A">
-                    <a:alpha val="43000"/>
-                  </a:srgbClr>
-                </a:outerShdw>
-              </a:effectLst>
               <a:latin typeface="Bahnschrift Condensed" panose="020B0502040204020203" pitchFamily="34" charset="0"/>
             </a:endParaRPr>
           </a:p>
           <a:p>
-            <a:r>
-              <a:rPr lang="ru-RU" sz="2400" dirty="0">
-                <a:ln w="0"/>
-                <a:solidFill>
-                  <a:schemeClr val="accent1"/>
-                </a:solidFill>
-                <a:effectLst>
-                  <a:outerShdw blurRad="38100" dist="25400" dir="5400000" algn="ctr" rotWithShape="0">
-                    <a:srgbClr val="6E747A">
-                      <a:alpha val="43000"/>
-                    </a:srgbClr>
-                  </a:outerShdw>
-                </a:effectLst>
-              </a:rPr>
-              <a:t>   </a:t>
-            </a:r>
+            <a:pPr algn="ctr"/>
+            <a:endParaRPr lang="ru-RU" dirty="0">
+              <a:solidFill>
+                <a:srgbClr val="301053"/>
+              </a:solidFill>
+              <a:latin typeface="Bahnschrift Condensed" panose="020B0502040204020203" pitchFamily="34" charset="0"/>
+            </a:endParaRPr>
+          </a:p>
+          <a:p>
+            <a:pPr algn="ctr"/>
+            <a:r>
+              <a:rPr lang="ru-RU" dirty="0">
+                <a:solidFill>
+                  <a:srgbClr val="301053"/>
+                </a:solidFill>
+                <a:latin typeface="Bahnschrift Condensed" panose="020B0502040204020203" pitchFamily="34" charset="0"/>
+              </a:rPr>
+              <a:t>Причем, если классы не совпадают,</a:t>
+            </a:r>
+          </a:p>
+          <a:p>
+            <a:pPr algn="ctr"/>
+            <a:r>
+              <a:rPr lang="ru-RU" dirty="0">
+                <a:solidFill>
+                  <a:srgbClr val="301053"/>
+                </a:solidFill>
+                <a:latin typeface="Bahnschrift Condensed" panose="020B0502040204020203" pitchFamily="34" charset="0"/>
+              </a:rPr>
+              <a:t>то мы полагаем, </a:t>
+            </a:r>
+          </a:p>
+          <a:p>
+            <a:pPr algn="ctr"/>
+            <a:r>
+              <a:rPr lang="ru-RU" dirty="0">
+                <a:solidFill>
+                  <a:srgbClr val="301053"/>
+                </a:solidFill>
+                <a:latin typeface="Bahnschrift Condensed" panose="020B0502040204020203" pitchFamily="34" charset="0"/>
+              </a:rPr>
+              <a:t>что необходима ручная верификация.</a:t>
+            </a:r>
+          </a:p>
+          <a:p>
+            <a:pPr algn="ctr"/>
+            <a:endParaRPr lang="ru-RU" dirty="0">
+              <a:solidFill>
+                <a:srgbClr val="301053"/>
+              </a:solidFill>
+              <a:latin typeface="Bahnschrift Condensed" panose="020B0502040204020203" pitchFamily="34" charset="0"/>
+            </a:endParaRPr>
+          </a:p>
+          <a:p>
+            <a:pPr algn="ctr"/>
+            <a:endParaRPr lang="en-US" dirty="0">
+              <a:solidFill>
+                <a:srgbClr val="301053"/>
+              </a:solidFill>
+              <a:latin typeface="Bahnschrift Condensed" panose="020B0502040204020203" pitchFamily="34" charset="0"/>
+            </a:endParaRPr>
           </a:p>
         </p:txBody>
       </p:sp>
     </p:spTree>
     <p:extLst>
       <p:ext uri="{BB962C8B-B14F-4D97-AF65-F5344CB8AC3E}">
-        <p14:creationId xmlns:p14="http://schemas.microsoft.com/office/powerpoint/2010/main" val="2018127430"/>
+        <p14:creationId xmlns:p14="http://schemas.microsoft.com/office/powerpoint/2010/main" val="3378428512"/>
       </p:ext>
     </p:extLst>
   </p:cSld>
